--- a/ppt 16-9/0420.个人布道.pptx
+++ b/ppt 16-9/0420.个人布道.pptx
@@ -5,7 +5,7 @@
     <p:sldMasterId id="2147483648" r:id="rId1"/>
   </p:sldMasterIdLst>
   <p:sldIdLst>
-    <p:sldId id="2898" r:id="rId2"/>
+    <p:sldId id="2899" r:id="rId2"/>
   </p:sldIdLst>
   <p:sldSz cx="12192000" cy="6858000"/>
   <p:notesSz cx="6858000" cy="9144000"/>
@@ -129,7 +129,7 @@
           <p:cNvPr id="2" name="标题 1">
             <a:extLst>
               <a:ext uri="{FF2B5EF4-FFF2-40B4-BE49-F238E27FC236}">
-                <a16:creationId xmlns:a16="http://schemas.microsoft.com/office/drawing/2014/main" id="{A96E45F0-D5B0-FA37-0A17-3464A6EA1F8E}"/>
+                <a16:creationId xmlns:a16="http://schemas.microsoft.com/office/drawing/2014/main" id="{05E76498-2176-42B4-33CB-478BC7CAABF5}"/>
               </a:ext>
             </a:extLst>
           </p:cNvPr>
@@ -166,7 +166,7 @@
           <p:cNvPr id="3" name="副标题 2">
             <a:extLst>
               <a:ext uri="{FF2B5EF4-FFF2-40B4-BE49-F238E27FC236}">
-                <a16:creationId xmlns:a16="http://schemas.microsoft.com/office/drawing/2014/main" id="{B41CF94B-1848-2979-7D05-3B269F91E673}"/>
+                <a16:creationId xmlns:a16="http://schemas.microsoft.com/office/drawing/2014/main" id="{8541DC24-C566-F315-3E8D-38D256285C3E}"/>
               </a:ext>
             </a:extLst>
           </p:cNvPr>
@@ -236,7 +236,7 @@
           <p:cNvPr id="4" name="日期占位符 3">
             <a:extLst>
               <a:ext uri="{FF2B5EF4-FFF2-40B4-BE49-F238E27FC236}">
-                <a16:creationId xmlns:a16="http://schemas.microsoft.com/office/drawing/2014/main" id="{076604EE-BBF7-867A-5DE8-4DEB022E9D51}"/>
+                <a16:creationId xmlns:a16="http://schemas.microsoft.com/office/drawing/2014/main" id="{23F86095-BFFC-77B4-6204-14DDFF527682}"/>
               </a:ext>
             </a:extLst>
           </p:cNvPr>
@@ -252,7 +252,7 @@
           <a:bodyPr/>
           <a:lstStyle/>
           <a:p>
-            <a:fld id="{27DF6C53-6745-418A-BDCF-604E5282EAAC}" type="datetimeFigureOut">
+            <a:fld id="{032B8A05-D789-48C5-9ACD-37FEE40EF070}" type="datetimeFigureOut">
               <a:rPr lang="zh-CN" altLang="en-US" smtClean="0"/>
               <a:t>2024/3/10</a:t>
             </a:fld>
@@ -265,7 +265,7 @@
           <p:cNvPr id="5" name="页脚占位符 4">
             <a:extLst>
               <a:ext uri="{FF2B5EF4-FFF2-40B4-BE49-F238E27FC236}">
-                <a16:creationId xmlns:a16="http://schemas.microsoft.com/office/drawing/2014/main" id="{9A514B37-5419-0DA2-A809-010694D22E31}"/>
+                <a16:creationId xmlns:a16="http://schemas.microsoft.com/office/drawing/2014/main" id="{94A1217F-E10F-380B-C1F8-F763BDBE3974}"/>
               </a:ext>
             </a:extLst>
           </p:cNvPr>
@@ -290,7 +290,7 @@
           <p:cNvPr id="6" name="灯片编号占位符 5">
             <a:extLst>
               <a:ext uri="{FF2B5EF4-FFF2-40B4-BE49-F238E27FC236}">
-                <a16:creationId xmlns:a16="http://schemas.microsoft.com/office/drawing/2014/main" id="{0C19BF2A-65F1-3725-D822-A9BAF3D1D283}"/>
+                <a16:creationId xmlns:a16="http://schemas.microsoft.com/office/drawing/2014/main" id="{BA1692A4-2633-EC08-3051-6FD70D68BC0E}"/>
               </a:ext>
             </a:extLst>
           </p:cNvPr>
@@ -306,7 +306,7 @@
           <a:bodyPr/>
           <a:lstStyle/>
           <a:p>
-            <a:fld id="{99EDD8DA-C1C2-4F46-AEF2-48F424519157}" type="slidenum">
+            <a:fld id="{4B0FAFFD-9751-46C9-8129-9E281FDD5537}" type="slidenum">
               <a:rPr lang="zh-CN" altLang="en-US" smtClean="0"/>
               <a:t>‹#›</a:t>
             </a:fld>
@@ -317,7 +317,7 @@
     </p:spTree>
     <p:extLst>
       <p:ext uri="{BB962C8B-B14F-4D97-AF65-F5344CB8AC3E}">
-        <p14:creationId xmlns:p14="http://schemas.microsoft.com/office/powerpoint/2010/main" val="293321839"/>
+        <p14:creationId xmlns:p14="http://schemas.microsoft.com/office/powerpoint/2010/main" val="1389898650"/>
       </p:ext>
     </p:extLst>
   </p:cSld>
@@ -349,7 +349,7 @@
           <p:cNvPr id="2" name="标题 1">
             <a:extLst>
               <a:ext uri="{FF2B5EF4-FFF2-40B4-BE49-F238E27FC236}">
-                <a16:creationId xmlns:a16="http://schemas.microsoft.com/office/drawing/2014/main" id="{C64C6229-382B-1574-045D-AF38F3429AFA}"/>
+                <a16:creationId xmlns:a16="http://schemas.microsoft.com/office/drawing/2014/main" id="{4F513C10-513E-39CE-307A-37A0DD2B6FB7}"/>
               </a:ext>
             </a:extLst>
           </p:cNvPr>
@@ -377,7 +377,7 @@
           <p:cNvPr id="3" name="竖排文字占位符 2">
             <a:extLst>
               <a:ext uri="{FF2B5EF4-FFF2-40B4-BE49-F238E27FC236}">
-                <a16:creationId xmlns:a16="http://schemas.microsoft.com/office/drawing/2014/main" id="{ADD8AE70-3D5F-2A16-2772-2102360AAF3E}"/>
+                <a16:creationId xmlns:a16="http://schemas.microsoft.com/office/drawing/2014/main" id="{D65A22FD-837C-BD71-9F6F-ECC5E050B890}"/>
               </a:ext>
             </a:extLst>
           </p:cNvPr>
@@ -434,7 +434,7 @@
           <p:cNvPr id="4" name="日期占位符 3">
             <a:extLst>
               <a:ext uri="{FF2B5EF4-FFF2-40B4-BE49-F238E27FC236}">
-                <a16:creationId xmlns:a16="http://schemas.microsoft.com/office/drawing/2014/main" id="{F01CF558-1889-89DB-2683-FD87F1683B84}"/>
+                <a16:creationId xmlns:a16="http://schemas.microsoft.com/office/drawing/2014/main" id="{F11E350C-0801-A4E6-3675-893AA21402BD}"/>
               </a:ext>
             </a:extLst>
           </p:cNvPr>
@@ -450,7 +450,7 @@
           <a:bodyPr/>
           <a:lstStyle/>
           <a:p>
-            <a:fld id="{27DF6C53-6745-418A-BDCF-604E5282EAAC}" type="datetimeFigureOut">
+            <a:fld id="{032B8A05-D789-48C5-9ACD-37FEE40EF070}" type="datetimeFigureOut">
               <a:rPr lang="zh-CN" altLang="en-US" smtClean="0"/>
               <a:t>2024/3/10</a:t>
             </a:fld>
@@ -463,7 +463,7 @@
           <p:cNvPr id="5" name="页脚占位符 4">
             <a:extLst>
               <a:ext uri="{FF2B5EF4-FFF2-40B4-BE49-F238E27FC236}">
-                <a16:creationId xmlns:a16="http://schemas.microsoft.com/office/drawing/2014/main" id="{B21795CA-FCBA-161B-57D8-E97C0C17D5BF}"/>
+                <a16:creationId xmlns:a16="http://schemas.microsoft.com/office/drawing/2014/main" id="{5E31711B-A8C4-B193-CA02-9CFEBB78BF03}"/>
               </a:ext>
             </a:extLst>
           </p:cNvPr>
@@ -488,7 +488,7 @@
           <p:cNvPr id="6" name="灯片编号占位符 5">
             <a:extLst>
               <a:ext uri="{FF2B5EF4-FFF2-40B4-BE49-F238E27FC236}">
-                <a16:creationId xmlns:a16="http://schemas.microsoft.com/office/drawing/2014/main" id="{F63AEE5A-880E-356C-EC86-3CB9647D7599}"/>
+                <a16:creationId xmlns:a16="http://schemas.microsoft.com/office/drawing/2014/main" id="{06B98E19-CA3A-8C23-2096-85DA6F5D76BD}"/>
               </a:ext>
             </a:extLst>
           </p:cNvPr>
@@ -504,7 +504,7 @@
           <a:bodyPr/>
           <a:lstStyle/>
           <a:p>
-            <a:fld id="{99EDD8DA-C1C2-4F46-AEF2-48F424519157}" type="slidenum">
+            <a:fld id="{4B0FAFFD-9751-46C9-8129-9E281FDD5537}" type="slidenum">
               <a:rPr lang="zh-CN" altLang="en-US" smtClean="0"/>
               <a:t>‹#›</a:t>
             </a:fld>
@@ -515,7 +515,7 @@
     </p:spTree>
     <p:extLst>
       <p:ext uri="{BB962C8B-B14F-4D97-AF65-F5344CB8AC3E}">
-        <p14:creationId xmlns:p14="http://schemas.microsoft.com/office/powerpoint/2010/main" val="3231719434"/>
+        <p14:creationId xmlns:p14="http://schemas.microsoft.com/office/powerpoint/2010/main" val="520862895"/>
       </p:ext>
     </p:extLst>
   </p:cSld>
@@ -547,7 +547,7 @@
           <p:cNvPr id="2" name="竖排标题 1">
             <a:extLst>
               <a:ext uri="{FF2B5EF4-FFF2-40B4-BE49-F238E27FC236}">
-                <a16:creationId xmlns:a16="http://schemas.microsoft.com/office/drawing/2014/main" id="{9065E6CA-D4D6-2514-68F5-C4A245FBA24D}"/>
+                <a16:creationId xmlns:a16="http://schemas.microsoft.com/office/drawing/2014/main" id="{900855FF-4CA9-8A76-418C-3BECF95645C3}"/>
               </a:ext>
             </a:extLst>
           </p:cNvPr>
@@ -580,7 +580,7 @@
           <p:cNvPr id="3" name="竖排文字占位符 2">
             <a:extLst>
               <a:ext uri="{FF2B5EF4-FFF2-40B4-BE49-F238E27FC236}">
-                <a16:creationId xmlns:a16="http://schemas.microsoft.com/office/drawing/2014/main" id="{CDF62C40-D492-3F06-BAFC-18AE418FF698}"/>
+                <a16:creationId xmlns:a16="http://schemas.microsoft.com/office/drawing/2014/main" id="{75E1E2F1-7411-5BA1-9765-60E603DB82B3}"/>
               </a:ext>
             </a:extLst>
           </p:cNvPr>
@@ -642,7 +642,7 @@
           <p:cNvPr id="4" name="日期占位符 3">
             <a:extLst>
               <a:ext uri="{FF2B5EF4-FFF2-40B4-BE49-F238E27FC236}">
-                <a16:creationId xmlns:a16="http://schemas.microsoft.com/office/drawing/2014/main" id="{0E8F3FD9-63F9-B8AE-1223-14FA49C00E50}"/>
+                <a16:creationId xmlns:a16="http://schemas.microsoft.com/office/drawing/2014/main" id="{91A47758-B55F-6295-C514-C6D1D289C249}"/>
               </a:ext>
             </a:extLst>
           </p:cNvPr>
@@ -658,7 +658,7 @@
           <a:bodyPr/>
           <a:lstStyle/>
           <a:p>
-            <a:fld id="{27DF6C53-6745-418A-BDCF-604E5282EAAC}" type="datetimeFigureOut">
+            <a:fld id="{032B8A05-D789-48C5-9ACD-37FEE40EF070}" type="datetimeFigureOut">
               <a:rPr lang="zh-CN" altLang="en-US" smtClean="0"/>
               <a:t>2024/3/10</a:t>
             </a:fld>
@@ -671,7 +671,7 @@
           <p:cNvPr id="5" name="页脚占位符 4">
             <a:extLst>
               <a:ext uri="{FF2B5EF4-FFF2-40B4-BE49-F238E27FC236}">
-                <a16:creationId xmlns:a16="http://schemas.microsoft.com/office/drawing/2014/main" id="{68F143F3-DB7B-83FA-1406-9340306BB7D2}"/>
+                <a16:creationId xmlns:a16="http://schemas.microsoft.com/office/drawing/2014/main" id="{813172D6-C232-B04F-2F36-F083D8AB6189}"/>
               </a:ext>
             </a:extLst>
           </p:cNvPr>
@@ -696,7 +696,7 @@
           <p:cNvPr id="6" name="灯片编号占位符 5">
             <a:extLst>
               <a:ext uri="{FF2B5EF4-FFF2-40B4-BE49-F238E27FC236}">
-                <a16:creationId xmlns:a16="http://schemas.microsoft.com/office/drawing/2014/main" id="{AEF456AC-44C7-E24E-F381-29B2F89CDA63}"/>
+                <a16:creationId xmlns:a16="http://schemas.microsoft.com/office/drawing/2014/main" id="{76EAC8F9-7BF8-242E-4A8C-9297F66E4BB9}"/>
               </a:ext>
             </a:extLst>
           </p:cNvPr>
@@ -712,7 +712,7 @@
           <a:bodyPr/>
           <a:lstStyle/>
           <a:p>
-            <a:fld id="{99EDD8DA-C1C2-4F46-AEF2-48F424519157}" type="slidenum">
+            <a:fld id="{4B0FAFFD-9751-46C9-8129-9E281FDD5537}" type="slidenum">
               <a:rPr lang="zh-CN" altLang="en-US" smtClean="0"/>
               <a:t>‹#›</a:t>
             </a:fld>
@@ -723,7 +723,7 @@
     </p:spTree>
     <p:extLst>
       <p:ext uri="{BB962C8B-B14F-4D97-AF65-F5344CB8AC3E}">
-        <p14:creationId xmlns:p14="http://schemas.microsoft.com/office/powerpoint/2010/main" val="3355488308"/>
+        <p14:creationId xmlns:p14="http://schemas.microsoft.com/office/powerpoint/2010/main" val="605811096"/>
       </p:ext>
     </p:extLst>
   </p:cSld>
@@ -755,7 +755,7 @@
           <p:cNvPr id="2" name="标题 1">
             <a:extLst>
               <a:ext uri="{FF2B5EF4-FFF2-40B4-BE49-F238E27FC236}">
-                <a16:creationId xmlns:a16="http://schemas.microsoft.com/office/drawing/2014/main" id="{F12254F9-ADE4-F4D3-88D5-8CBEC622D8BD}"/>
+                <a16:creationId xmlns:a16="http://schemas.microsoft.com/office/drawing/2014/main" id="{9BD3179A-CAE2-FAE7-9E85-A0BAA530D619}"/>
               </a:ext>
             </a:extLst>
           </p:cNvPr>
@@ -783,7 +783,7 @@
           <p:cNvPr id="3" name="内容占位符 2">
             <a:extLst>
               <a:ext uri="{FF2B5EF4-FFF2-40B4-BE49-F238E27FC236}">
-                <a16:creationId xmlns:a16="http://schemas.microsoft.com/office/drawing/2014/main" id="{4A2BCBA0-30A2-A62D-B4FD-A574E29B6E7B}"/>
+                <a16:creationId xmlns:a16="http://schemas.microsoft.com/office/drawing/2014/main" id="{ADFBD2B8-74CB-E411-DA53-CEC00D949E5A}"/>
               </a:ext>
             </a:extLst>
           </p:cNvPr>
@@ -840,7 +840,7 @@
           <p:cNvPr id="4" name="日期占位符 3">
             <a:extLst>
               <a:ext uri="{FF2B5EF4-FFF2-40B4-BE49-F238E27FC236}">
-                <a16:creationId xmlns:a16="http://schemas.microsoft.com/office/drawing/2014/main" id="{DE224DE4-8264-6D20-D379-DBAE48D954A9}"/>
+                <a16:creationId xmlns:a16="http://schemas.microsoft.com/office/drawing/2014/main" id="{B5A5724C-C905-029C-223D-B302A6033B07}"/>
               </a:ext>
             </a:extLst>
           </p:cNvPr>
@@ -856,7 +856,7 @@
           <a:bodyPr/>
           <a:lstStyle/>
           <a:p>
-            <a:fld id="{27DF6C53-6745-418A-BDCF-604E5282EAAC}" type="datetimeFigureOut">
+            <a:fld id="{032B8A05-D789-48C5-9ACD-37FEE40EF070}" type="datetimeFigureOut">
               <a:rPr lang="zh-CN" altLang="en-US" smtClean="0"/>
               <a:t>2024/3/10</a:t>
             </a:fld>
@@ -869,7 +869,7 @@
           <p:cNvPr id="5" name="页脚占位符 4">
             <a:extLst>
               <a:ext uri="{FF2B5EF4-FFF2-40B4-BE49-F238E27FC236}">
-                <a16:creationId xmlns:a16="http://schemas.microsoft.com/office/drawing/2014/main" id="{B24B7C83-B23B-55F0-9F13-9EDC42C77B96}"/>
+                <a16:creationId xmlns:a16="http://schemas.microsoft.com/office/drawing/2014/main" id="{132E393B-165C-8967-06DF-758BDD4FA1CA}"/>
               </a:ext>
             </a:extLst>
           </p:cNvPr>
@@ -894,7 +894,7 @@
           <p:cNvPr id="6" name="灯片编号占位符 5">
             <a:extLst>
               <a:ext uri="{FF2B5EF4-FFF2-40B4-BE49-F238E27FC236}">
-                <a16:creationId xmlns:a16="http://schemas.microsoft.com/office/drawing/2014/main" id="{111C7175-12F3-9FAD-7E5C-59161A402CD7}"/>
+                <a16:creationId xmlns:a16="http://schemas.microsoft.com/office/drawing/2014/main" id="{C0D9B007-763D-C073-6490-A89CD2E4FA4D}"/>
               </a:ext>
             </a:extLst>
           </p:cNvPr>
@@ -910,7 +910,7 @@
           <a:bodyPr/>
           <a:lstStyle/>
           <a:p>
-            <a:fld id="{99EDD8DA-C1C2-4F46-AEF2-48F424519157}" type="slidenum">
+            <a:fld id="{4B0FAFFD-9751-46C9-8129-9E281FDD5537}" type="slidenum">
               <a:rPr lang="zh-CN" altLang="en-US" smtClean="0"/>
               <a:t>‹#›</a:t>
             </a:fld>
@@ -921,7 +921,7 @@
     </p:spTree>
     <p:extLst>
       <p:ext uri="{BB962C8B-B14F-4D97-AF65-F5344CB8AC3E}">
-        <p14:creationId xmlns:p14="http://schemas.microsoft.com/office/powerpoint/2010/main" val="1246829980"/>
+        <p14:creationId xmlns:p14="http://schemas.microsoft.com/office/powerpoint/2010/main" val="543263741"/>
       </p:ext>
     </p:extLst>
   </p:cSld>
@@ -953,7 +953,7 @@
           <p:cNvPr id="2" name="标题 1">
             <a:extLst>
               <a:ext uri="{FF2B5EF4-FFF2-40B4-BE49-F238E27FC236}">
-                <a16:creationId xmlns:a16="http://schemas.microsoft.com/office/drawing/2014/main" id="{48EF2C14-1F56-455D-629E-29D6BC30EC09}"/>
+                <a16:creationId xmlns:a16="http://schemas.microsoft.com/office/drawing/2014/main" id="{316BAAF0-4303-1CEC-1E9C-52577622845F}"/>
               </a:ext>
             </a:extLst>
           </p:cNvPr>
@@ -990,7 +990,7 @@
           <p:cNvPr id="3" name="文本占位符 2">
             <a:extLst>
               <a:ext uri="{FF2B5EF4-FFF2-40B4-BE49-F238E27FC236}">
-                <a16:creationId xmlns:a16="http://schemas.microsoft.com/office/drawing/2014/main" id="{DF0C94F8-03AA-360B-5021-9D0D830439E9}"/>
+                <a16:creationId xmlns:a16="http://schemas.microsoft.com/office/drawing/2014/main" id="{57D038E8-9098-5F58-3D33-C941C5BCC217}"/>
               </a:ext>
             </a:extLst>
           </p:cNvPr>
@@ -1115,7 +1115,7 @@
           <p:cNvPr id="4" name="日期占位符 3">
             <a:extLst>
               <a:ext uri="{FF2B5EF4-FFF2-40B4-BE49-F238E27FC236}">
-                <a16:creationId xmlns:a16="http://schemas.microsoft.com/office/drawing/2014/main" id="{DD63ED56-C166-0B78-8850-320F10C9DC28}"/>
+                <a16:creationId xmlns:a16="http://schemas.microsoft.com/office/drawing/2014/main" id="{318D190A-11BD-E608-4185-DD409CA56484}"/>
               </a:ext>
             </a:extLst>
           </p:cNvPr>
@@ -1131,7 +1131,7 @@
           <a:bodyPr/>
           <a:lstStyle/>
           <a:p>
-            <a:fld id="{27DF6C53-6745-418A-BDCF-604E5282EAAC}" type="datetimeFigureOut">
+            <a:fld id="{032B8A05-D789-48C5-9ACD-37FEE40EF070}" type="datetimeFigureOut">
               <a:rPr lang="zh-CN" altLang="en-US" smtClean="0"/>
               <a:t>2024/3/10</a:t>
             </a:fld>
@@ -1144,7 +1144,7 @@
           <p:cNvPr id="5" name="页脚占位符 4">
             <a:extLst>
               <a:ext uri="{FF2B5EF4-FFF2-40B4-BE49-F238E27FC236}">
-                <a16:creationId xmlns:a16="http://schemas.microsoft.com/office/drawing/2014/main" id="{91839BC3-C0F9-FDFF-FEED-2392AED398C7}"/>
+                <a16:creationId xmlns:a16="http://schemas.microsoft.com/office/drawing/2014/main" id="{E20E5720-5323-EB2F-D9F6-46990BED271A}"/>
               </a:ext>
             </a:extLst>
           </p:cNvPr>
@@ -1169,7 +1169,7 @@
           <p:cNvPr id="6" name="灯片编号占位符 5">
             <a:extLst>
               <a:ext uri="{FF2B5EF4-FFF2-40B4-BE49-F238E27FC236}">
-                <a16:creationId xmlns:a16="http://schemas.microsoft.com/office/drawing/2014/main" id="{9A2D7B6A-6357-9624-8239-DFD6BAB2FA84}"/>
+                <a16:creationId xmlns:a16="http://schemas.microsoft.com/office/drawing/2014/main" id="{C8EFC952-C711-B66D-A01D-A12B73D44241}"/>
               </a:ext>
             </a:extLst>
           </p:cNvPr>
@@ -1185,7 +1185,7 @@
           <a:bodyPr/>
           <a:lstStyle/>
           <a:p>
-            <a:fld id="{99EDD8DA-C1C2-4F46-AEF2-48F424519157}" type="slidenum">
+            <a:fld id="{4B0FAFFD-9751-46C9-8129-9E281FDD5537}" type="slidenum">
               <a:rPr lang="zh-CN" altLang="en-US" smtClean="0"/>
               <a:t>‹#›</a:t>
             </a:fld>
@@ -1196,7 +1196,7 @@
     </p:spTree>
     <p:extLst>
       <p:ext uri="{BB962C8B-B14F-4D97-AF65-F5344CB8AC3E}">
-        <p14:creationId xmlns:p14="http://schemas.microsoft.com/office/powerpoint/2010/main" val="3743535359"/>
+        <p14:creationId xmlns:p14="http://schemas.microsoft.com/office/powerpoint/2010/main" val="2568372551"/>
       </p:ext>
     </p:extLst>
   </p:cSld>
@@ -1228,7 +1228,7 @@
           <p:cNvPr id="2" name="标题 1">
             <a:extLst>
               <a:ext uri="{FF2B5EF4-FFF2-40B4-BE49-F238E27FC236}">
-                <a16:creationId xmlns:a16="http://schemas.microsoft.com/office/drawing/2014/main" id="{98013557-AD75-99B0-3170-7DACCF3D1532}"/>
+                <a16:creationId xmlns:a16="http://schemas.microsoft.com/office/drawing/2014/main" id="{56F6F44B-CE51-BE6E-26EF-13191DC64E54}"/>
               </a:ext>
             </a:extLst>
           </p:cNvPr>
@@ -1256,7 +1256,7 @@
           <p:cNvPr id="3" name="内容占位符 2">
             <a:extLst>
               <a:ext uri="{FF2B5EF4-FFF2-40B4-BE49-F238E27FC236}">
-                <a16:creationId xmlns:a16="http://schemas.microsoft.com/office/drawing/2014/main" id="{41B15AF0-94C1-AE39-B320-0B6177CE1034}"/>
+                <a16:creationId xmlns:a16="http://schemas.microsoft.com/office/drawing/2014/main" id="{487DF0B6-A2B1-109F-362C-2734D8538819}"/>
               </a:ext>
             </a:extLst>
           </p:cNvPr>
@@ -1318,7 +1318,7 @@
           <p:cNvPr id="4" name="内容占位符 3">
             <a:extLst>
               <a:ext uri="{FF2B5EF4-FFF2-40B4-BE49-F238E27FC236}">
-                <a16:creationId xmlns:a16="http://schemas.microsoft.com/office/drawing/2014/main" id="{9BE206CB-9ED6-37DE-EA1C-DAB112F2E998}"/>
+                <a16:creationId xmlns:a16="http://schemas.microsoft.com/office/drawing/2014/main" id="{FB37CCE6-1D6E-465E-A9A2-93821476CA77}"/>
               </a:ext>
             </a:extLst>
           </p:cNvPr>
@@ -1380,7 +1380,7 @@
           <p:cNvPr id="5" name="日期占位符 4">
             <a:extLst>
               <a:ext uri="{FF2B5EF4-FFF2-40B4-BE49-F238E27FC236}">
-                <a16:creationId xmlns:a16="http://schemas.microsoft.com/office/drawing/2014/main" id="{EEC8F383-476E-B70A-72C3-F98945BBAFCB}"/>
+                <a16:creationId xmlns:a16="http://schemas.microsoft.com/office/drawing/2014/main" id="{A6CEB432-DDCA-19E3-DE0E-B17CBC8D755A}"/>
               </a:ext>
             </a:extLst>
           </p:cNvPr>
@@ -1396,7 +1396,7 @@
           <a:bodyPr/>
           <a:lstStyle/>
           <a:p>
-            <a:fld id="{27DF6C53-6745-418A-BDCF-604E5282EAAC}" type="datetimeFigureOut">
+            <a:fld id="{032B8A05-D789-48C5-9ACD-37FEE40EF070}" type="datetimeFigureOut">
               <a:rPr lang="zh-CN" altLang="en-US" smtClean="0"/>
               <a:t>2024/3/10</a:t>
             </a:fld>
@@ -1409,7 +1409,7 @@
           <p:cNvPr id="6" name="页脚占位符 5">
             <a:extLst>
               <a:ext uri="{FF2B5EF4-FFF2-40B4-BE49-F238E27FC236}">
-                <a16:creationId xmlns:a16="http://schemas.microsoft.com/office/drawing/2014/main" id="{6159F5EA-2C72-EE8C-8BC3-468D40B48B04}"/>
+                <a16:creationId xmlns:a16="http://schemas.microsoft.com/office/drawing/2014/main" id="{C92F0AAE-D6F1-9900-A94F-F5F2D1318CD0}"/>
               </a:ext>
             </a:extLst>
           </p:cNvPr>
@@ -1434,7 +1434,7 @@
           <p:cNvPr id="7" name="灯片编号占位符 6">
             <a:extLst>
               <a:ext uri="{FF2B5EF4-FFF2-40B4-BE49-F238E27FC236}">
-                <a16:creationId xmlns:a16="http://schemas.microsoft.com/office/drawing/2014/main" id="{D6D68E56-1DB3-7C73-77FE-68FE3ACE62FA}"/>
+                <a16:creationId xmlns:a16="http://schemas.microsoft.com/office/drawing/2014/main" id="{92066F23-326B-7A1C-76B6-ACD92A80325C}"/>
               </a:ext>
             </a:extLst>
           </p:cNvPr>
@@ -1450,7 +1450,7 @@
           <a:bodyPr/>
           <a:lstStyle/>
           <a:p>
-            <a:fld id="{99EDD8DA-C1C2-4F46-AEF2-48F424519157}" type="slidenum">
+            <a:fld id="{4B0FAFFD-9751-46C9-8129-9E281FDD5537}" type="slidenum">
               <a:rPr lang="zh-CN" altLang="en-US" smtClean="0"/>
               <a:t>‹#›</a:t>
             </a:fld>
@@ -1461,7 +1461,7 @@
     </p:spTree>
     <p:extLst>
       <p:ext uri="{BB962C8B-B14F-4D97-AF65-F5344CB8AC3E}">
-        <p14:creationId xmlns:p14="http://schemas.microsoft.com/office/powerpoint/2010/main" val="3121099200"/>
+        <p14:creationId xmlns:p14="http://schemas.microsoft.com/office/powerpoint/2010/main" val="79861766"/>
       </p:ext>
     </p:extLst>
   </p:cSld>
@@ -1493,7 +1493,7 @@
           <p:cNvPr id="2" name="标题 1">
             <a:extLst>
               <a:ext uri="{FF2B5EF4-FFF2-40B4-BE49-F238E27FC236}">
-                <a16:creationId xmlns:a16="http://schemas.microsoft.com/office/drawing/2014/main" id="{4002929A-36AB-43D6-DAA4-AC8CAD6C9580}"/>
+                <a16:creationId xmlns:a16="http://schemas.microsoft.com/office/drawing/2014/main" id="{15C5513B-67C3-5CFF-9AEC-BD11626FE077}"/>
               </a:ext>
             </a:extLst>
           </p:cNvPr>
@@ -1526,7 +1526,7 @@
           <p:cNvPr id="3" name="文本占位符 2">
             <a:extLst>
               <a:ext uri="{FF2B5EF4-FFF2-40B4-BE49-F238E27FC236}">
-                <a16:creationId xmlns:a16="http://schemas.microsoft.com/office/drawing/2014/main" id="{A34BA452-9C7C-71F7-F212-30A31F1734B9}"/>
+                <a16:creationId xmlns:a16="http://schemas.microsoft.com/office/drawing/2014/main" id="{7067657C-F4F8-96AF-0DB4-A15DE0FB9669}"/>
               </a:ext>
             </a:extLst>
           </p:cNvPr>
@@ -1597,7 +1597,7 @@
           <p:cNvPr id="4" name="内容占位符 3">
             <a:extLst>
               <a:ext uri="{FF2B5EF4-FFF2-40B4-BE49-F238E27FC236}">
-                <a16:creationId xmlns:a16="http://schemas.microsoft.com/office/drawing/2014/main" id="{88052716-F65C-BFCA-CE81-E2F63AB82D58}"/>
+                <a16:creationId xmlns:a16="http://schemas.microsoft.com/office/drawing/2014/main" id="{25103CFB-CFF6-C004-FAAE-71BD8415F0DA}"/>
               </a:ext>
             </a:extLst>
           </p:cNvPr>
@@ -1659,7 +1659,7 @@
           <p:cNvPr id="5" name="文本占位符 4">
             <a:extLst>
               <a:ext uri="{FF2B5EF4-FFF2-40B4-BE49-F238E27FC236}">
-                <a16:creationId xmlns:a16="http://schemas.microsoft.com/office/drawing/2014/main" id="{F671022E-0142-BE1D-17A5-418449AC532A}"/>
+                <a16:creationId xmlns:a16="http://schemas.microsoft.com/office/drawing/2014/main" id="{01686970-6C3A-7DAB-8E5A-5E2105EFE427}"/>
               </a:ext>
             </a:extLst>
           </p:cNvPr>
@@ -1730,7 +1730,7 @@
           <p:cNvPr id="6" name="内容占位符 5">
             <a:extLst>
               <a:ext uri="{FF2B5EF4-FFF2-40B4-BE49-F238E27FC236}">
-                <a16:creationId xmlns:a16="http://schemas.microsoft.com/office/drawing/2014/main" id="{2AA33945-CCD1-F2C6-1B26-E9D150746318}"/>
+                <a16:creationId xmlns:a16="http://schemas.microsoft.com/office/drawing/2014/main" id="{F8F46225-3E92-A2C3-2F1B-681A0C06F87D}"/>
               </a:ext>
             </a:extLst>
           </p:cNvPr>
@@ -1792,7 +1792,7 @@
           <p:cNvPr id="7" name="日期占位符 6">
             <a:extLst>
               <a:ext uri="{FF2B5EF4-FFF2-40B4-BE49-F238E27FC236}">
-                <a16:creationId xmlns:a16="http://schemas.microsoft.com/office/drawing/2014/main" id="{8AF99C96-BA93-1A1D-65C1-BDDEAD9CB0A6}"/>
+                <a16:creationId xmlns:a16="http://schemas.microsoft.com/office/drawing/2014/main" id="{F74A5337-0866-CCB2-F272-AEE381784469}"/>
               </a:ext>
             </a:extLst>
           </p:cNvPr>
@@ -1808,7 +1808,7 @@
           <a:bodyPr/>
           <a:lstStyle/>
           <a:p>
-            <a:fld id="{27DF6C53-6745-418A-BDCF-604E5282EAAC}" type="datetimeFigureOut">
+            <a:fld id="{032B8A05-D789-48C5-9ACD-37FEE40EF070}" type="datetimeFigureOut">
               <a:rPr lang="zh-CN" altLang="en-US" smtClean="0"/>
               <a:t>2024/3/10</a:t>
             </a:fld>
@@ -1821,7 +1821,7 @@
           <p:cNvPr id="8" name="页脚占位符 7">
             <a:extLst>
               <a:ext uri="{FF2B5EF4-FFF2-40B4-BE49-F238E27FC236}">
-                <a16:creationId xmlns:a16="http://schemas.microsoft.com/office/drawing/2014/main" id="{4D7BC4DA-665B-D5AE-8C94-267FFFA5AF4B}"/>
+                <a16:creationId xmlns:a16="http://schemas.microsoft.com/office/drawing/2014/main" id="{69B352CF-6FE9-E220-7C95-BFF58DE3AFF3}"/>
               </a:ext>
             </a:extLst>
           </p:cNvPr>
@@ -1846,7 +1846,7 @@
           <p:cNvPr id="9" name="灯片编号占位符 8">
             <a:extLst>
               <a:ext uri="{FF2B5EF4-FFF2-40B4-BE49-F238E27FC236}">
-                <a16:creationId xmlns:a16="http://schemas.microsoft.com/office/drawing/2014/main" id="{D74FE746-7E38-2351-4F64-BD33DD87EF4F}"/>
+                <a16:creationId xmlns:a16="http://schemas.microsoft.com/office/drawing/2014/main" id="{FD8A36CC-EF6C-398B-A8BA-EAB3F1DD8400}"/>
               </a:ext>
             </a:extLst>
           </p:cNvPr>
@@ -1862,7 +1862,7 @@
           <a:bodyPr/>
           <a:lstStyle/>
           <a:p>
-            <a:fld id="{99EDD8DA-C1C2-4F46-AEF2-48F424519157}" type="slidenum">
+            <a:fld id="{4B0FAFFD-9751-46C9-8129-9E281FDD5537}" type="slidenum">
               <a:rPr lang="zh-CN" altLang="en-US" smtClean="0"/>
               <a:t>‹#›</a:t>
             </a:fld>
@@ -1873,7 +1873,7 @@
     </p:spTree>
     <p:extLst>
       <p:ext uri="{BB962C8B-B14F-4D97-AF65-F5344CB8AC3E}">
-        <p14:creationId xmlns:p14="http://schemas.microsoft.com/office/powerpoint/2010/main" val="1103808642"/>
+        <p14:creationId xmlns:p14="http://schemas.microsoft.com/office/powerpoint/2010/main" val="3293269520"/>
       </p:ext>
     </p:extLst>
   </p:cSld>
@@ -1905,7 +1905,7 @@
           <p:cNvPr id="2" name="标题 1">
             <a:extLst>
               <a:ext uri="{FF2B5EF4-FFF2-40B4-BE49-F238E27FC236}">
-                <a16:creationId xmlns:a16="http://schemas.microsoft.com/office/drawing/2014/main" id="{10D4BE4E-E921-1427-B198-063C34C42C92}"/>
+                <a16:creationId xmlns:a16="http://schemas.microsoft.com/office/drawing/2014/main" id="{C768FD20-BF9B-3CDB-A561-312EEAF7F768}"/>
               </a:ext>
             </a:extLst>
           </p:cNvPr>
@@ -1933,7 +1933,7 @@
           <p:cNvPr id="3" name="日期占位符 2">
             <a:extLst>
               <a:ext uri="{FF2B5EF4-FFF2-40B4-BE49-F238E27FC236}">
-                <a16:creationId xmlns:a16="http://schemas.microsoft.com/office/drawing/2014/main" id="{A82C9852-3B77-A687-2AA3-C5794198D175}"/>
+                <a16:creationId xmlns:a16="http://schemas.microsoft.com/office/drawing/2014/main" id="{6F5D4685-6928-1F4D-6544-CE49A943F3FA}"/>
               </a:ext>
             </a:extLst>
           </p:cNvPr>
@@ -1949,7 +1949,7 @@
           <a:bodyPr/>
           <a:lstStyle/>
           <a:p>
-            <a:fld id="{27DF6C53-6745-418A-BDCF-604E5282EAAC}" type="datetimeFigureOut">
+            <a:fld id="{032B8A05-D789-48C5-9ACD-37FEE40EF070}" type="datetimeFigureOut">
               <a:rPr lang="zh-CN" altLang="en-US" smtClean="0"/>
               <a:t>2024/3/10</a:t>
             </a:fld>
@@ -1962,7 +1962,7 @@
           <p:cNvPr id="4" name="页脚占位符 3">
             <a:extLst>
               <a:ext uri="{FF2B5EF4-FFF2-40B4-BE49-F238E27FC236}">
-                <a16:creationId xmlns:a16="http://schemas.microsoft.com/office/drawing/2014/main" id="{AE346570-075A-BCC7-4F8B-93011855E71D}"/>
+                <a16:creationId xmlns:a16="http://schemas.microsoft.com/office/drawing/2014/main" id="{BFE48132-AE51-BDA5-FE36-CBAFB460858D}"/>
               </a:ext>
             </a:extLst>
           </p:cNvPr>
@@ -1987,7 +1987,7 @@
           <p:cNvPr id="5" name="灯片编号占位符 4">
             <a:extLst>
               <a:ext uri="{FF2B5EF4-FFF2-40B4-BE49-F238E27FC236}">
-                <a16:creationId xmlns:a16="http://schemas.microsoft.com/office/drawing/2014/main" id="{0E24D6B9-A8A0-511B-975A-C66E3B554609}"/>
+                <a16:creationId xmlns:a16="http://schemas.microsoft.com/office/drawing/2014/main" id="{CA41FFD2-8689-C704-E63A-DB8CF63F7040}"/>
               </a:ext>
             </a:extLst>
           </p:cNvPr>
@@ -2003,7 +2003,7 @@
           <a:bodyPr/>
           <a:lstStyle/>
           <a:p>
-            <a:fld id="{99EDD8DA-C1C2-4F46-AEF2-48F424519157}" type="slidenum">
+            <a:fld id="{4B0FAFFD-9751-46C9-8129-9E281FDD5537}" type="slidenum">
               <a:rPr lang="zh-CN" altLang="en-US" smtClean="0"/>
               <a:t>‹#›</a:t>
             </a:fld>
@@ -2014,7 +2014,7 @@
     </p:spTree>
     <p:extLst>
       <p:ext uri="{BB962C8B-B14F-4D97-AF65-F5344CB8AC3E}">
-        <p14:creationId xmlns:p14="http://schemas.microsoft.com/office/powerpoint/2010/main" val="3844541610"/>
+        <p14:creationId xmlns:p14="http://schemas.microsoft.com/office/powerpoint/2010/main" val="249739873"/>
       </p:ext>
     </p:extLst>
   </p:cSld>
@@ -2046,7 +2046,7 @@
           <p:cNvPr id="2" name="日期占位符 1">
             <a:extLst>
               <a:ext uri="{FF2B5EF4-FFF2-40B4-BE49-F238E27FC236}">
-                <a16:creationId xmlns:a16="http://schemas.microsoft.com/office/drawing/2014/main" id="{27419B3F-725D-E183-A7C5-4D5976E43A60}"/>
+                <a16:creationId xmlns:a16="http://schemas.microsoft.com/office/drawing/2014/main" id="{CC3EBE89-1D95-C08D-04D8-E1D3B95F73B9}"/>
               </a:ext>
             </a:extLst>
           </p:cNvPr>
@@ -2062,7 +2062,7 @@
           <a:bodyPr/>
           <a:lstStyle/>
           <a:p>
-            <a:fld id="{27DF6C53-6745-418A-BDCF-604E5282EAAC}" type="datetimeFigureOut">
+            <a:fld id="{032B8A05-D789-48C5-9ACD-37FEE40EF070}" type="datetimeFigureOut">
               <a:rPr lang="zh-CN" altLang="en-US" smtClean="0"/>
               <a:t>2024/3/10</a:t>
             </a:fld>
@@ -2075,7 +2075,7 @@
           <p:cNvPr id="3" name="页脚占位符 2">
             <a:extLst>
               <a:ext uri="{FF2B5EF4-FFF2-40B4-BE49-F238E27FC236}">
-                <a16:creationId xmlns:a16="http://schemas.microsoft.com/office/drawing/2014/main" id="{367A8674-514F-EBC9-AE57-586BB409877E}"/>
+                <a16:creationId xmlns:a16="http://schemas.microsoft.com/office/drawing/2014/main" id="{10A1908B-996C-C835-E5F7-339230892C09}"/>
               </a:ext>
             </a:extLst>
           </p:cNvPr>
@@ -2100,7 +2100,7 @@
           <p:cNvPr id="4" name="灯片编号占位符 3">
             <a:extLst>
               <a:ext uri="{FF2B5EF4-FFF2-40B4-BE49-F238E27FC236}">
-                <a16:creationId xmlns:a16="http://schemas.microsoft.com/office/drawing/2014/main" id="{3157CA9A-E000-F5C4-F271-F298F4ED41D3}"/>
+                <a16:creationId xmlns:a16="http://schemas.microsoft.com/office/drawing/2014/main" id="{15B5C5DB-B9E5-89B8-3AD0-098FD6498467}"/>
               </a:ext>
             </a:extLst>
           </p:cNvPr>
@@ -2116,7 +2116,7 @@
           <a:bodyPr/>
           <a:lstStyle/>
           <a:p>
-            <a:fld id="{99EDD8DA-C1C2-4F46-AEF2-48F424519157}" type="slidenum">
+            <a:fld id="{4B0FAFFD-9751-46C9-8129-9E281FDD5537}" type="slidenum">
               <a:rPr lang="zh-CN" altLang="en-US" smtClean="0"/>
               <a:t>‹#›</a:t>
             </a:fld>
@@ -2127,7 +2127,7 @@
     </p:spTree>
     <p:extLst>
       <p:ext uri="{BB962C8B-B14F-4D97-AF65-F5344CB8AC3E}">
-        <p14:creationId xmlns:p14="http://schemas.microsoft.com/office/powerpoint/2010/main" val="2285607276"/>
+        <p14:creationId xmlns:p14="http://schemas.microsoft.com/office/powerpoint/2010/main" val="3218954166"/>
       </p:ext>
     </p:extLst>
   </p:cSld>
@@ -2159,7 +2159,7 @@
           <p:cNvPr id="2" name="标题 1">
             <a:extLst>
               <a:ext uri="{FF2B5EF4-FFF2-40B4-BE49-F238E27FC236}">
-                <a16:creationId xmlns:a16="http://schemas.microsoft.com/office/drawing/2014/main" id="{386C3005-2D2B-CD95-F490-D3368D2DE171}"/>
+                <a16:creationId xmlns:a16="http://schemas.microsoft.com/office/drawing/2014/main" id="{FE1B11A3-7D42-C43C-DC3B-B59B8436F238}"/>
               </a:ext>
             </a:extLst>
           </p:cNvPr>
@@ -2196,7 +2196,7 @@
           <p:cNvPr id="3" name="内容占位符 2">
             <a:extLst>
               <a:ext uri="{FF2B5EF4-FFF2-40B4-BE49-F238E27FC236}">
-                <a16:creationId xmlns:a16="http://schemas.microsoft.com/office/drawing/2014/main" id="{A0824E30-9A87-C0D4-BD8D-7238FE4462C6}"/>
+                <a16:creationId xmlns:a16="http://schemas.microsoft.com/office/drawing/2014/main" id="{41B4774D-8206-D4B3-656A-A646EFE5ADA3}"/>
               </a:ext>
             </a:extLst>
           </p:cNvPr>
@@ -2286,7 +2286,7 @@
           <p:cNvPr id="4" name="文本占位符 3">
             <a:extLst>
               <a:ext uri="{FF2B5EF4-FFF2-40B4-BE49-F238E27FC236}">
-                <a16:creationId xmlns:a16="http://schemas.microsoft.com/office/drawing/2014/main" id="{FFC2A97E-F4E0-4312-7AD8-F4A7BC3693B0}"/>
+                <a16:creationId xmlns:a16="http://schemas.microsoft.com/office/drawing/2014/main" id="{BDF97664-69F6-6761-C31F-507995E593C4}"/>
               </a:ext>
             </a:extLst>
           </p:cNvPr>
@@ -2357,7 +2357,7 @@
           <p:cNvPr id="5" name="日期占位符 4">
             <a:extLst>
               <a:ext uri="{FF2B5EF4-FFF2-40B4-BE49-F238E27FC236}">
-                <a16:creationId xmlns:a16="http://schemas.microsoft.com/office/drawing/2014/main" id="{D0B2D3BC-D9CE-735F-A0AA-D995C9AB0ABA}"/>
+                <a16:creationId xmlns:a16="http://schemas.microsoft.com/office/drawing/2014/main" id="{D2CE90C2-CE35-E625-1D93-3C19043E7581}"/>
               </a:ext>
             </a:extLst>
           </p:cNvPr>
@@ -2373,7 +2373,7 @@
           <a:bodyPr/>
           <a:lstStyle/>
           <a:p>
-            <a:fld id="{27DF6C53-6745-418A-BDCF-604E5282EAAC}" type="datetimeFigureOut">
+            <a:fld id="{032B8A05-D789-48C5-9ACD-37FEE40EF070}" type="datetimeFigureOut">
               <a:rPr lang="zh-CN" altLang="en-US" smtClean="0"/>
               <a:t>2024/3/10</a:t>
             </a:fld>
@@ -2386,7 +2386,7 @@
           <p:cNvPr id="6" name="页脚占位符 5">
             <a:extLst>
               <a:ext uri="{FF2B5EF4-FFF2-40B4-BE49-F238E27FC236}">
-                <a16:creationId xmlns:a16="http://schemas.microsoft.com/office/drawing/2014/main" id="{82789AF7-A076-8009-5A1E-E91329C8B333}"/>
+                <a16:creationId xmlns:a16="http://schemas.microsoft.com/office/drawing/2014/main" id="{60786EB7-49EC-CE03-1D02-DB3004C7F404}"/>
               </a:ext>
             </a:extLst>
           </p:cNvPr>
@@ -2411,7 +2411,7 @@
           <p:cNvPr id="7" name="灯片编号占位符 6">
             <a:extLst>
               <a:ext uri="{FF2B5EF4-FFF2-40B4-BE49-F238E27FC236}">
-                <a16:creationId xmlns:a16="http://schemas.microsoft.com/office/drawing/2014/main" id="{584425EC-F6B0-13C1-C56F-3E06F9937818}"/>
+                <a16:creationId xmlns:a16="http://schemas.microsoft.com/office/drawing/2014/main" id="{7F8212AB-9C0E-B42C-8402-A1E21B83818A}"/>
               </a:ext>
             </a:extLst>
           </p:cNvPr>
@@ -2427,7 +2427,7 @@
           <a:bodyPr/>
           <a:lstStyle/>
           <a:p>
-            <a:fld id="{99EDD8DA-C1C2-4F46-AEF2-48F424519157}" type="slidenum">
+            <a:fld id="{4B0FAFFD-9751-46C9-8129-9E281FDD5537}" type="slidenum">
               <a:rPr lang="zh-CN" altLang="en-US" smtClean="0"/>
               <a:t>‹#›</a:t>
             </a:fld>
@@ -2438,7 +2438,7 @@
     </p:spTree>
     <p:extLst>
       <p:ext uri="{BB962C8B-B14F-4D97-AF65-F5344CB8AC3E}">
-        <p14:creationId xmlns:p14="http://schemas.microsoft.com/office/powerpoint/2010/main" val="3695461366"/>
+        <p14:creationId xmlns:p14="http://schemas.microsoft.com/office/powerpoint/2010/main" val="3976710583"/>
       </p:ext>
     </p:extLst>
   </p:cSld>
@@ -2470,7 +2470,7 @@
           <p:cNvPr id="2" name="标题 1">
             <a:extLst>
               <a:ext uri="{FF2B5EF4-FFF2-40B4-BE49-F238E27FC236}">
-                <a16:creationId xmlns:a16="http://schemas.microsoft.com/office/drawing/2014/main" id="{44FBB407-17A6-880E-2389-CACD19D4F9E7}"/>
+                <a16:creationId xmlns:a16="http://schemas.microsoft.com/office/drawing/2014/main" id="{1F696AEF-4ECE-EF90-6B35-BF3C4CA9873A}"/>
               </a:ext>
             </a:extLst>
           </p:cNvPr>
@@ -2507,7 +2507,7 @@
           <p:cNvPr id="3" name="图片占位符 2">
             <a:extLst>
               <a:ext uri="{FF2B5EF4-FFF2-40B4-BE49-F238E27FC236}">
-                <a16:creationId xmlns:a16="http://schemas.microsoft.com/office/drawing/2014/main" id="{3A34B1BE-31B4-42D5-69D0-8CB60803D223}"/>
+                <a16:creationId xmlns:a16="http://schemas.microsoft.com/office/drawing/2014/main" id="{6A716258-3710-8798-F71F-E4CC74FA8828}"/>
               </a:ext>
             </a:extLst>
           </p:cNvPr>
@@ -2574,7 +2574,7 @@
           <p:cNvPr id="4" name="文本占位符 3">
             <a:extLst>
               <a:ext uri="{FF2B5EF4-FFF2-40B4-BE49-F238E27FC236}">
-                <a16:creationId xmlns:a16="http://schemas.microsoft.com/office/drawing/2014/main" id="{BE95C225-635D-10BD-1D34-BFDA66E51CD4}"/>
+                <a16:creationId xmlns:a16="http://schemas.microsoft.com/office/drawing/2014/main" id="{10185C66-4BB2-DA3A-ABA9-54E9EDE1C398}"/>
               </a:ext>
             </a:extLst>
           </p:cNvPr>
@@ -2645,7 +2645,7 @@
           <p:cNvPr id="5" name="日期占位符 4">
             <a:extLst>
               <a:ext uri="{FF2B5EF4-FFF2-40B4-BE49-F238E27FC236}">
-                <a16:creationId xmlns:a16="http://schemas.microsoft.com/office/drawing/2014/main" id="{AA1401DE-54D8-3898-B95D-D2507FB13A6B}"/>
+                <a16:creationId xmlns:a16="http://schemas.microsoft.com/office/drawing/2014/main" id="{C2CDA0E2-D1F8-767F-1FFD-A8937036D6C4}"/>
               </a:ext>
             </a:extLst>
           </p:cNvPr>
@@ -2661,7 +2661,7 @@
           <a:bodyPr/>
           <a:lstStyle/>
           <a:p>
-            <a:fld id="{27DF6C53-6745-418A-BDCF-604E5282EAAC}" type="datetimeFigureOut">
+            <a:fld id="{032B8A05-D789-48C5-9ACD-37FEE40EF070}" type="datetimeFigureOut">
               <a:rPr lang="zh-CN" altLang="en-US" smtClean="0"/>
               <a:t>2024/3/10</a:t>
             </a:fld>
@@ -2674,7 +2674,7 @@
           <p:cNvPr id="6" name="页脚占位符 5">
             <a:extLst>
               <a:ext uri="{FF2B5EF4-FFF2-40B4-BE49-F238E27FC236}">
-                <a16:creationId xmlns:a16="http://schemas.microsoft.com/office/drawing/2014/main" id="{860A9E41-070C-C03B-E14A-3FAE3A43BD81}"/>
+                <a16:creationId xmlns:a16="http://schemas.microsoft.com/office/drawing/2014/main" id="{0393D644-D91C-0587-0258-D071C50751B0}"/>
               </a:ext>
             </a:extLst>
           </p:cNvPr>
@@ -2699,7 +2699,7 @@
           <p:cNvPr id="7" name="灯片编号占位符 6">
             <a:extLst>
               <a:ext uri="{FF2B5EF4-FFF2-40B4-BE49-F238E27FC236}">
-                <a16:creationId xmlns:a16="http://schemas.microsoft.com/office/drawing/2014/main" id="{EE25D7A8-3AB4-5222-CF02-3C9A70561D59}"/>
+                <a16:creationId xmlns:a16="http://schemas.microsoft.com/office/drawing/2014/main" id="{222045BE-3731-CF13-3933-33033A17BAD9}"/>
               </a:ext>
             </a:extLst>
           </p:cNvPr>
@@ -2715,7 +2715,7 @@
           <a:bodyPr/>
           <a:lstStyle/>
           <a:p>
-            <a:fld id="{99EDD8DA-C1C2-4F46-AEF2-48F424519157}" type="slidenum">
+            <a:fld id="{4B0FAFFD-9751-46C9-8129-9E281FDD5537}" type="slidenum">
               <a:rPr lang="zh-CN" altLang="en-US" smtClean="0"/>
               <a:t>‹#›</a:t>
             </a:fld>
@@ -2726,7 +2726,7 @@
     </p:spTree>
     <p:extLst>
       <p:ext uri="{BB962C8B-B14F-4D97-AF65-F5344CB8AC3E}">
-        <p14:creationId xmlns:p14="http://schemas.microsoft.com/office/powerpoint/2010/main" val="1511736265"/>
+        <p14:creationId xmlns:p14="http://schemas.microsoft.com/office/powerpoint/2010/main" val="2642576868"/>
       </p:ext>
     </p:extLst>
   </p:cSld>
@@ -2763,7 +2763,7 @@
           <p:cNvPr id="2" name="标题占位符 1">
             <a:extLst>
               <a:ext uri="{FF2B5EF4-FFF2-40B4-BE49-F238E27FC236}">
-                <a16:creationId xmlns:a16="http://schemas.microsoft.com/office/drawing/2014/main" id="{EAA9C3E1-4708-AB0D-E90C-B73B2ADEE6D7}"/>
+                <a16:creationId xmlns:a16="http://schemas.microsoft.com/office/drawing/2014/main" id="{7E3E3F03-94C3-D54D-5E3F-EC8ACC300A30}"/>
               </a:ext>
             </a:extLst>
           </p:cNvPr>
@@ -2801,7 +2801,7 @@
           <p:cNvPr id="3" name="文本占位符 2">
             <a:extLst>
               <a:ext uri="{FF2B5EF4-FFF2-40B4-BE49-F238E27FC236}">
-                <a16:creationId xmlns:a16="http://schemas.microsoft.com/office/drawing/2014/main" id="{E8B8D7F1-A5BB-F3A1-D0E2-C754A3D1B8CC}"/>
+                <a16:creationId xmlns:a16="http://schemas.microsoft.com/office/drawing/2014/main" id="{5F930DE3-9AAF-86BE-0586-76D6D4B3B8E3}"/>
               </a:ext>
             </a:extLst>
           </p:cNvPr>
@@ -2868,7 +2868,7 @@
           <p:cNvPr id="4" name="日期占位符 3">
             <a:extLst>
               <a:ext uri="{FF2B5EF4-FFF2-40B4-BE49-F238E27FC236}">
-                <a16:creationId xmlns:a16="http://schemas.microsoft.com/office/drawing/2014/main" id="{952A0EDF-5E55-CAA9-2851-F2E22999C0A1}"/>
+                <a16:creationId xmlns:a16="http://schemas.microsoft.com/office/drawing/2014/main" id="{22C40915-1E2B-DB9F-6258-7F0C8B0A2923}"/>
               </a:ext>
             </a:extLst>
           </p:cNvPr>
@@ -2902,7 +2902,7 @@
             </a:lvl1pPr>
           </a:lstStyle>
           <a:p>
-            <a:fld id="{27DF6C53-6745-418A-BDCF-604E5282EAAC}" type="datetimeFigureOut">
+            <a:fld id="{032B8A05-D789-48C5-9ACD-37FEE40EF070}" type="datetimeFigureOut">
               <a:rPr lang="zh-CN" altLang="en-US" smtClean="0"/>
               <a:t>2024/3/10</a:t>
             </a:fld>
@@ -2915,7 +2915,7 @@
           <p:cNvPr id="5" name="页脚占位符 4">
             <a:extLst>
               <a:ext uri="{FF2B5EF4-FFF2-40B4-BE49-F238E27FC236}">
-                <a16:creationId xmlns:a16="http://schemas.microsoft.com/office/drawing/2014/main" id="{72AF4071-A0BA-11AD-C93E-D2AECD40B33A}"/>
+                <a16:creationId xmlns:a16="http://schemas.microsoft.com/office/drawing/2014/main" id="{0E549809-370C-A8E7-DEE9-6B451A103FA6}"/>
               </a:ext>
             </a:extLst>
           </p:cNvPr>
@@ -2958,7 +2958,7 @@
           <p:cNvPr id="6" name="灯片编号占位符 5">
             <a:extLst>
               <a:ext uri="{FF2B5EF4-FFF2-40B4-BE49-F238E27FC236}">
-                <a16:creationId xmlns:a16="http://schemas.microsoft.com/office/drawing/2014/main" id="{700D0AE6-3D64-5DD2-0781-897C255BDD96}"/>
+                <a16:creationId xmlns:a16="http://schemas.microsoft.com/office/drawing/2014/main" id="{BD8D479A-A71D-FC0C-0CD1-BEB3E00BA7E5}"/>
               </a:ext>
             </a:extLst>
           </p:cNvPr>
@@ -2992,7 +2992,7 @@
             </a:lvl1pPr>
           </a:lstStyle>
           <a:p>
-            <a:fld id="{99EDD8DA-C1C2-4F46-AEF2-48F424519157}" type="slidenum">
+            <a:fld id="{4B0FAFFD-9751-46C9-8129-9E281FDD5537}" type="slidenum">
               <a:rPr lang="zh-CN" altLang="en-US" smtClean="0"/>
               <a:t>‹#›</a:t>
             </a:fld>
@@ -3003,7 +3003,7 @@
     </p:spTree>
     <p:extLst>
       <p:ext uri="{BB962C8B-B14F-4D97-AF65-F5344CB8AC3E}">
-        <p14:creationId xmlns:p14="http://schemas.microsoft.com/office/powerpoint/2010/main" val="3752741542"/>
+        <p14:creationId xmlns:p14="http://schemas.microsoft.com/office/powerpoint/2010/main" val="2365085933"/>
       </p:ext>
     </p:extLst>
   </p:cSld>
@@ -3323,7 +3323,7 @@
       </p:grpSpPr>
       <p:pic>
         <p:nvPicPr>
-          <p:cNvPr id="430082" name="Picture 2" descr="419"/>
+          <p:cNvPr id="431106" name="Picture 2" descr="420"/>
           <p:cNvPicPr>
             <a:picLocks noChangeAspect="1" noChangeArrowheads="1"/>
           </p:cNvPicPr>
@@ -3344,8 +3344,8 @@
         </p:blipFill>
         <p:spPr bwMode="auto">
           <a:xfrm>
-            <a:off x="1524000" y="1"/>
-            <a:ext cx="9144000" cy="4581525"/>
+            <a:off x="1524000" y="0"/>
+            <a:ext cx="9144000" cy="6858000"/>
           </a:xfrm>
           <a:prstGeom prst="rect">
             <a:avLst/>
